--- a/Team9-ppt.pptx
+++ b/Team9-ppt.pptx
@@ -5,20 +5,19 @@
     <p:sldMasterId id="2147483696" r:id="rId1"/>
   </p:sldMasterIdLst>
   <p:notesMasterIdLst>
-    <p:notesMasterId r:id="rId13"/>
+    <p:notesMasterId r:id="rId12"/>
   </p:notesMasterIdLst>
   <p:sldIdLst>
     <p:sldId id="256" r:id="rId2"/>
     <p:sldId id="257" r:id="rId3"/>
-    <p:sldId id="258" r:id="rId4"/>
-    <p:sldId id="259" r:id="rId5"/>
-    <p:sldId id="260" r:id="rId6"/>
+    <p:sldId id="260" r:id="rId4"/>
+    <p:sldId id="258" r:id="rId5"/>
+    <p:sldId id="262" r:id="rId6"/>
     <p:sldId id="261" r:id="rId7"/>
-    <p:sldId id="262" r:id="rId8"/>
-    <p:sldId id="263" r:id="rId9"/>
-    <p:sldId id="264" r:id="rId10"/>
-    <p:sldId id="265" r:id="rId11"/>
-    <p:sldId id="266" r:id="rId12"/>
+    <p:sldId id="263" r:id="rId8"/>
+    <p:sldId id="264" r:id="rId9"/>
+    <p:sldId id="265" r:id="rId10"/>
+    <p:sldId id="266" r:id="rId11"/>
   </p:sldIdLst>
   <p:sldSz cx="12192000" cy="6858000"/>
   <p:notesSz cx="6858000" cy="9144000"/>
@@ -1642,7 +1641,13 @@
         <a:p>
           <a:r>
             <a:rPr lang="en-US" sz="2800" dirty="0"/>
-            <a:t>With Kubernetes</a:t>
+            <a:t>With </a:t>
+          </a:r>
+        </a:p>
+        <a:p>
+          <a:r>
+            <a:rPr lang="en-US" sz="2800" dirty="0"/>
+            <a:t>Kubernetes</a:t>
           </a:r>
         </a:p>
       </dgm:t>
@@ -1830,7 +1835,7 @@
       <dgm:spPr/>
     </dgm:pt>
     <dgm:pt modelId="{CE506889-FB7B-4AC0-AB94-E141ED1551DC}" type="pres">
-      <dgm:prSet presAssocID="{50B7D61C-600D-41F2-AEB2-B86A4A5EA1AF}" presName="LevelOneTextNode" presStyleLbl="node0" presStyleIdx="0" presStyleCnt="1" custAng="5400000" custScaleX="101629" custScaleY="63137" custLinFactX="-100000" custLinFactNeighborX="-193883" custLinFactNeighborY="-7694">
+      <dgm:prSet presAssocID="{50B7D61C-600D-41F2-AEB2-B86A4A5EA1AF}" presName="LevelOneTextNode" presStyleLbl="node0" presStyleIdx="0" presStyleCnt="1" custAng="5400000" custScaleX="146789" custScaleY="70424" custLinFactX="-100000" custLinFactNeighborX="-193883" custLinFactNeighborY="-7694">
         <dgm:presLayoutVars>
           <dgm:chPref val="3"/>
         </dgm:presLayoutVars>
@@ -2126,7 +2131,7 @@
         <a:p>
           <a:r>
             <a:rPr lang="en-US" dirty="0"/>
-            <a:t>    A slave that runs tasks as delegated by the user and master</a:t>
+            <a:t>    A slave that runs tasks as delegated by the user and master.</a:t>
           </a:r>
         </a:p>
         <a:p>
@@ -2369,7 +2374,7 @@
   <dgm:whole/>
   <dgm:extLst>
     <a:ext uri="http://schemas.microsoft.com/office/drawing/2008/diagram">
-      <dsp:dataModelExt xmlns:dsp="http://schemas.microsoft.com/office/drawing/2008/diagram" relId="rId6" minVer="http://schemas.openxmlformats.org/drawingml/2006/diagram"/>
+      <dsp:dataModelExt xmlns:dsp="http://schemas.microsoft.com/office/drawing/2008/diagram" relId="rId7" minVer="http://schemas.openxmlformats.org/drawingml/2006/diagram"/>
     </a:ext>
   </dgm:extLst>
 </dgm:dataModel>
@@ -2390,8 +2395,8 @@
       </dsp:nvSpPr>
       <dsp:spPr>
         <a:xfrm>
-          <a:off x="1700101" y="1744754"/>
-          <a:ext cx="3457259" cy="1761159"/>
+          <a:off x="1789876" y="1543984"/>
+          <a:ext cx="3446887" cy="1554907"/>
         </a:xfrm>
         <a:custGeom>
           <a:avLst/>
@@ -2405,13 +2410,13 @@
                 <a:pt x="0" y="0"/>
               </a:moveTo>
               <a:lnTo>
-                <a:pt x="1728629" y="0"/>
+                <a:pt x="1723443" y="0"/>
               </a:lnTo>
               <a:lnTo>
-                <a:pt x="1728629" y="1761159"/>
+                <a:pt x="1723443" y="1554907"/>
               </a:lnTo>
               <a:lnTo>
-                <a:pt x="3457259" y="1761159"/>
+                <a:pt x="3446887" y="1554907"/>
               </a:lnTo>
             </a:path>
           </a:pathLst>
@@ -2465,8 +2470,8 @@
         </a:p>
       </dsp:txBody>
       <dsp:txXfrm>
-        <a:off x="3331731" y="2528335"/>
-        <a:ext cx="193999" cy="193999"/>
+        <a:off x="3418786" y="2226904"/>
+        <a:ext cx="189068" cy="189068"/>
       </dsp:txXfrm>
     </dsp:sp>
     <dsp:sp modelId="{CDCF3227-AA43-45C5-8798-F42C77E7B5CA}">
@@ -2476,8 +2481,8 @@
       </dsp:nvSpPr>
       <dsp:spPr>
         <a:xfrm>
-          <a:off x="1700101" y="1744754"/>
-          <a:ext cx="3449189" cy="750445"/>
+          <a:off x="1789876" y="1543984"/>
+          <a:ext cx="3439762" cy="662559"/>
         </a:xfrm>
         <a:custGeom>
           <a:avLst/>
@@ -2491,13 +2496,13 @@
                 <a:pt x="0" y="0"/>
               </a:moveTo>
               <a:lnTo>
-                <a:pt x="1724594" y="0"/>
+                <a:pt x="1719881" y="0"/>
               </a:lnTo>
               <a:lnTo>
-                <a:pt x="1724594" y="750445"/>
+                <a:pt x="1719881" y="662559"/>
               </a:lnTo>
               <a:lnTo>
-                <a:pt x="3449189" y="750445"/>
+                <a:pt x="3439762" y="662559"/>
               </a:lnTo>
             </a:path>
           </a:pathLst>
@@ -2551,8 +2556,8 @@
         </a:p>
       </dsp:txBody>
       <dsp:txXfrm>
-        <a:off x="3336448" y="2031730"/>
-        <a:ext cx="176494" cy="176494"/>
+        <a:off x="3422183" y="1787689"/>
+        <a:ext cx="175149" cy="175149"/>
       </dsp:txXfrm>
     </dsp:sp>
     <dsp:sp modelId="{1D3BBC86-3B75-4C48-9683-D954941BB7BE}">
@@ -2562,8 +2567,8 @@
       </dsp:nvSpPr>
       <dsp:spPr>
         <a:xfrm>
-          <a:off x="1700101" y="1491458"/>
-          <a:ext cx="3416831" cy="253295"/>
+          <a:off x="1789876" y="1320352"/>
+          <a:ext cx="3411193" cy="223631"/>
         </a:xfrm>
         <a:custGeom>
           <a:avLst/>
@@ -2574,16 +2579,16 @@
           <a:pathLst>
             <a:path>
               <a:moveTo>
-                <a:pt x="0" y="253295"/>
+                <a:pt x="0" y="223631"/>
               </a:moveTo>
               <a:lnTo>
-                <a:pt x="1708415" y="253295"/>
+                <a:pt x="1705596" y="223631"/>
               </a:lnTo>
               <a:lnTo>
-                <a:pt x="1708415" y="0"/>
+                <a:pt x="1705596" y="0"/>
               </a:lnTo>
               <a:lnTo>
-                <a:pt x="3416831" y="0"/>
+                <a:pt x="3411193" y="0"/>
               </a:lnTo>
             </a:path>
           </a:pathLst>
@@ -2637,8 +2642,8 @@
         </a:p>
       </dsp:txBody>
       <dsp:txXfrm>
-        <a:off x="3322861" y="1532451"/>
-        <a:ext cx="171310" cy="171310"/>
+        <a:off x="3410010" y="1346705"/>
+        <a:ext cx="170925" cy="170925"/>
       </dsp:txXfrm>
     </dsp:sp>
     <dsp:sp modelId="{7B450EC5-28FD-4A3E-AFD7-D15AF9B6B88C}">
@@ -2648,8 +2653,8 @@
       </dsp:nvSpPr>
       <dsp:spPr>
         <a:xfrm>
-          <a:off x="1700101" y="551987"/>
-          <a:ext cx="3408323" cy="1192767"/>
+          <a:off x="1789876" y="490904"/>
+          <a:ext cx="3403682" cy="1053080"/>
         </a:xfrm>
         <a:custGeom>
           <a:avLst/>
@@ -2660,16 +2665,16 @@
           <a:pathLst>
             <a:path>
               <a:moveTo>
-                <a:pt x="0" y="1192767"/>
+                <a:pt x="0" y="1053080"/>
               </a:moveTo>
               <a:lnTo>
-                <a:pt x="1704161" y="1192767"/>
+                <a:pt x="1701841" y="1053080"/>
               </a:lnTo>
               <a:lnTo>
-                <a:pt x="1704161" y="0"/>
+                <a:pt x="1701841" y="0"/>
               </a:lnTo>
               <a:lnTo>
-                <a:pt x="3408323" y="0"/>
+                <a:pt x="3403682" y="0"/>
               </a:lnTo>
             </a:path>
           </a:pathLst>
@@ -2723,8 +2728,8 @@
         </a:p>
       </dsp:txBody>
       <dsp:txXfrm>
-        <a:off x="3313987" y="1058096"/>
-        <a:ext cx="180550" cy="180550"/>
+        <a:off x="3402646" y="928372"/>
+        <a:ext cx="178143" cy="178143"/>
       </dsp:txXfrm>
     </dsp:sp>
     <dsp:sp modelId="{CE506889-FB7B-4AC0-AB94-E141ED1551DC}">
@@ -2734,8 +2739,8 @@
       </dsp:nvSpPr>
       <dsp:spPr>
         <a:xfrm>
-          <a:off x="0" y="1346580"/>
-          <a:ext cx="2603852" cy="796349"/>
+          <a:off x="0" y="1036228"/>
+          <a:ext cx="2564241" cy="1015512"/>
         </a:xfrm>
         <a:prstGeom prst="rect">
           <a:avLst/>
@@ -2795,13 +2800,31 @@
           </a:pPr>
           <a:r>
             <a:rPr lang="en-US" sz="2800" kern="1200" dirty="0"/>
-            <a:t>With Kubernetes</a:t>
+            <a:t>With </a:t>
+          </a:r>
+        </a:p>
+        <a:p>
+          <a:pPr marL="0" lvl="0" indent="0" algn="ctr" defTabSz="1244600">
+            <a:lnSpc>
+              <a:spcPct val="90000"/>
+            </a:lnSpc>
+            <a:spcBef>
+              <a:spcPct val="0"/>
+            </a:spcBef>
+            <a:spcAft>
+              <a:spcPct val="35000"/>
+            </a:spcAft>
+            <a:buNone/>
+          </a:pPr>
+          <a:r>
+            <a:rPr lang="en-US" sz="2800" kern="1200" dirty="0"/>
+            <a:t>Kubernetes</a:t>
           </a:r>
         </a:p>
       </dsp:txBody>
       <dsp:txXfrm>
-        <a:off x="0" y="1346580"/>
-        <a:ext cx="2603852" cy="796349"/>
+        <a:off x="0" y="1036228"/>
+        <a:ext cx="2564241" cy="1015512"/>
       </dsp:txXfrm>
     </dsp:sp>
     <dsp:sp modelId="{7B0DF62C-8F58-418B-AFAC-7052AA85DBD4}">
@@ -2811,8 +2834,8 @@
       </dsp:nvSpPr>
       <dsp:spPr>
         <a:xfrm>
-          <a:off x="5108425" y="160195"/>
-          <a:ext cx="2570158" cy="783584"/>
+          <a:off x="5193559" y="144995"/>
+          <a:ext cx="2269162" cy="691817"/>
         </a:xfrm>
         <a:prstGeom prst="rect">
           <a:avLst/>
@@ -2853,12 +2876,12 @@
         </a:fontRef>
       </dsp:style>
       <dsp:txBody>
-        <a:bodyPr spcFirstLastPara="0" vert="horz" wrap="square" lIns="17780" tIns="17780" rIns="17780" bIns="17780" numCol="1" spcCol="1270" anchor="ctr" anchorCtr="0">
+        <a:bodyPr spcFirstLastPara="0" vert="horz" wrap="square" lIns="15240" tIns="15240" rIns="15240" bIns="15240" numCol="1" spcCol="1270" anchor="ctr" anchorCtr="0">
           <a:noAutofit/>
         </a:bodyPr>
         <a:lstStyle/>
         <a:p>
-          <a:pPr marL="0" lvl="0" indent="0" algn="ctr" defTabSz="1244600">
+          <a:pPr marL="0" lvl="0" indent="0" algn="ctr" defTabSz="1066800">
             <a:lnSpc>
               <a:spcPct val="90000"/>
             </a:lnSpc>
@@ -2871,14 +2894,14 @@
             <a:buNone/>
           </a:pPr>
           <a:r>
-            <a:rPr lang="en-US" sz="2800" kern="1200" dirty="0"/>
+            <a:rPr lang="en-US" sz="2400" kern="1200" dirty="0"/>
             <a:t>Deploy</a:t>
           </a:r>
         </a:p>
       </dsp:txBody>
       <dsp:txXfrm>
-        <a:off x="5108425" y="160195"/>
-        <a:ext cx="2570158" cy="783584"/>
+        <a:off x="5193559" y="144995"/>
+        <a:ext cx="2269162" cy="691817"/>
       </dsp:txXfrm>
     </dsp:sp>
     <dsp:sp modelId="{F46F0C60-8F8F-4B01-A482-F12C16070AB6}">
@@ -2888,8 +2911,8 @@
       </dsp:nvSpPr>
       <dsp:spPr>
         <a:xfrm>
-          <a:off x="5116932" y="1099666"/>
-          <a:ext cx="2570158" cy="783584"/>
+          <a:off x="5201070" y="974443"/>
+          <a:ext cx="2269162" cy="691817"/>
         </a:xfrm>
         <a:prstGeom prst="rect">
           <a:avLst/>
@@ -2930,12 +2953,12 @@
         </a:fontRef>
       </dsp:style>
       <dsp:txBody>
-        <a:bodyPr spcFirstLastPara="0" vert="horz" wrap="square" lIns="17780" tIns="17780" rIns="17780" bIns="17780" numCol="1" spcCol="1270" anchor="ctr" anchorCtr="0">
+        <a:bodyPr spcFirstLastPara="0" vert="horz" wrap="square" lIns="15240" tIns="15240" rIns="15240" bIns="15240" numCol="1" spcCol="1270" anchor="ctr" anchorCtr="0">
           <a:noAutofit/>
         </a:bodyPr>
         <a:lstStyle/>
         <a:p>
-          <a:pPr marL="0" lvl="0" indent="0" algn="ctr" defTabSz="1244600">
+          <a:pPr marL="0" lvl="0" indent="0" algn="ctr" defTabSz="1066800">
             <a:lnSpc>
               <a:spcPct val="90000"/>
             </a:lnSpc>
@@ -2948,14 +2971,14 @@
             <a:buNone/>
           </a:pPr>
           <a:r>
-            <a:rPr lang="en-US" sz="2800" kern="1200" dirty="0"/>
+            <a:rPr lang="en-US" sz="2400" kern="1200" dirty="0"/>
             <a:t>Scale</a:t>
           </a:r>
         </a:p>
       </dsp:txBody>
       <dsp:txXfrm>
-        <a:off x="5116932" y="1099666"/>
-        <a:ext cx="2570158" cy="783584"/>
+        <a:off x="5201070" y="974443"/>
+        <a:ext cx="2269162" cy="691817"/>
       </dsp:txXfrm>
     </dsp:sp>
     <dsp:sp modelId="{C5F2667E-D405-4ADB-A5F0-BF1A56B02F1C}">
@@ -2965,8 +2988,8 @@
       </dsp:nvSpPr>
       <dsp:spPr>
         <a:xfrm>
-          <a:off x="5149290" y="2103407"/>
-          <a:ext cx="2570158" cy="783584"/>
+          <a:off x="5229639" y="1860634"/>
+          <a:ext cx="2269162" cy="691817"/>
         </a:xfrm>
         <a:prstGeom prst="rect">
           <a:avLst/>
@@ -3007,12 +3030,12 @@
         </a:fontRef>
       </dsp:style>
       <dsp:txBody>
-        <a:bodyPr spcFirstLastPara="0" vert="horz" wrap="square" lIns="17780" tIns="17780" rIns="17780" bIns="17780" numCol="1" spcCol="1270" anchor="ctr" anchorCtr="0">
+        <a:bodyPr spcFirstLastPara="0" vert="horz" wrap="square" lIns="15240" tIns="15240" rIns="15240" bIns="15240" numCol="1" spcCol="1270" anchor="ctr" anchorCtr="0">
           <a:noAutofit/>
         </a:bodyPr>
         <a:lstStyle/>
         <a:p>
-          <a:pPr marL="0" lvl="0" indent="0" algn="ctr" defTabSz="1244600">
+          <a:pPr marL="0" lvl="0" indent="0" algn="ctr" defTabSz="1066800">
             <a:lnSpc>
               <a:spcPct val="90000"/>
             </a:lnSpc>
@@ -3025,14 +3048,14 @@
             <a:buNone/>
           </a:pPr>
           <a:r>
-            <a:rPr lang="en-US" sz="2800" kern="1200" dirty="0"/>
+            <a:rPr lang="en-US" sz="2400" kern="1200" dirty="0"/>
             <a:t>Roll out new features</a:t>
           </a:r>
         </a:p>
       </dsp:txBody>
       <dsp:txXfrm>
-        <a:off x="5149290" y="2103407"/>
-        <a:ext cx="2570158" cy="783584"/>
+        <a:off x="5229639" y="1860634"/>
+        <a:ext cx="2269162" cy="691817"/>
       </dsp:txXfrm>
     </dsp:sp>
     <dsp:sp modelId="{4040D24B-E888-461D-B591-B96556A9AEAD}">
@@ -3042,8 +3065,8 @@
       </dsp:nvSpPr>
       <dsp:spPr>
         <a:xfrm>
-          <a:off x="5157360" y="3114122"/>
-          <a:ext cx="2570158" cy="783584"/>
+          <a:off x="5236764" y="2752983"/>
+          <a:ext cx="2269162" cy="691817"/>
         </a:xfrm>
         <a:prstGeom prst="rect">
           <a:avLst/>
@@ -3084,12 +3107,12 @@
         </a:fontRef>
       </dsp:style>
       <dsp:txBody>
-        <a:bodyPr spcFirstLastPara="0" vert="horz" wrap="square" lIns="17780" tIns="17780" rIns="17780" bIns="17780" numCol="1" spcCol="1270" anchor="ctr" anchorCtr="0">
+        <a:bodyPr spcFirstLastPara="0" vert="horz" wrap="square" lIns="15240" tIns="15240" rIns="15240" bIns="15240" numCol="1" spcCol="1270" anchor="ctr" anchorCtr="0">
           <a:noAutofit/>
         </a:bodyPr>
         <a:lstStyle/>
         <a:p>
-          <a:pPr marL="0" lvl="0" indent="0" algn="ctr" defTabSz="1244600">
+          <a:pPr marL="0" lvl="0" indent="0" algn="ctr" defTabSz="1066800">
             <a:lnSpc>
               <a:spcPct val="90000"/>
             </a:lnSpc>
@@ -3102,14 +3125,14 @@
             <a:buNone/>
           </a:pPr>
           <a:r>
-            <a:rPr lang="en-US" sz="2800" kern="1200" dirty="0"/>
+            <a:rPr lang="en-US" sz="2400" kern="1200" dirty="0"/>
             <a:t>Optimize</a:t>
           </a:r>
         </a:p>
       </dsp:txBody>
       <dsp:txXfrm>
-        <a:off x="5157360" y="3114122"/>
-        <a:ext cx="2570158" cy="783584"/>
+        <a:off x="5236764" y="2752983"/>
+        <a:ext cx="2269162" cy="691817"/>
       </dsp:txXfrm>
     </dsp:sp>
   </dsp:spTree>
@@ -3453,7 +3476,7 @@
           </a:pPr>
           <a:r>
             <a:rPr lang="en-US" sz="1900" kern="1200" dirty="0"/>
-            <a:t>    A slave that runs tasks as delegated by the user and master</a:t>
+            <a:t>    A slave that runs tasks as delegated by the user and master.</a:t>
           </a:r>
         </a:p>
         <a:p>
@@ -6497,7 +6520,7 @@
           <a:p>
             <a:fld id="{D84BA11F-B04F-4771-A817-EE614FDFEA41}" type="datetimeFigureOut">
               <a:rPr lang="en-US" smtClean="0"/>
-              <a:t>2/9/2017</a:t>
+              <a:t>2/10/2017</a:t>
             </a:fld>
             <a:endParaRPr lang="en-US"/>
           </a:p>
@@ -6829,6 +6852,90 @@
           <a:p>
             <a:fld id="{654E5807-AEAF-4E2A-9CDA-6D6E1C8B7DF4}" type="slidenum">
               <a:rPr lang="en-US" smtClean="0"/>
+              <a:t>3</a:t>
+            </a:fld>
+            <a:endParaRPr lang="en-US"/>
+          </a:p>
+        </p:txBody>
+      </p:sp>
+    </p:spTree>
+    <p:extLst>
+      <p:ext uri="{BB962C8B-B14F-4D97-AF65-F5344CB8AC3E}">
+        <p14:creationId xmlns:p14="http://schemas.microsoft.com/office/powerpoint/2010/main" val="2893444688"/>
+      </p:ext>
+    </p:extLst>
+  </p:cSld>
+  <p:clrMapOvr>
+    <a:masterClrMapping/>
+  </p:clrMapOvr>
+</p:notes>
+</file>
+
+<file path=ppt/notesSlides/notesSlide2.xml><?xml version="1.0" encoding="utf-8"?>
+<p:notes xmlns:a="http://schemas.openxmlformats.org/drawingml/2006/main" xmlns:r="http://schemas.openxmlformats.org/officeDocument/2006/relationships" xmlns:p="http://schemas.openxmlformats.org/presentationml/2006/main">
+  <p:cSld>
+    <p:spTree>
+      <p:nvGrpSpPr>
+        <p:cNvPr id="1" name=""/>
+        <p:cNvGrpSpPr/>
+        <p:nvPr/>
+      </p:nvGrpSpPr>
+      <p:grpSpPr>
+        <a:xfrm>
+          <a:off x="0" y="0"/>
+          <a:ext cx="0" cy="0"/>
+          <a:chOff x="0" y="0"/>
+          <a:chExt cx="0" cy="0"/>
+        </a:xfrm>
+      </p:grpSpPr>
+      <p:sp>
+        <p:nvSpPr>
+          <p:cNvPr id="2" name="Slide Image Placeholder 1"/>
+          <p:cNvSpPr>
+            <a:spLocks noGrp="1" noRot="1" noChangeAspect="1"/>
+          </p:cNvSpPr>
+          <p:nvPr>
+            <p:ph type="sldImg"/>
+          </p:nvPr>
+        </p:nvSpPr>
+        <p:spPr/>
+      </p:sp>
+      <p:sp>
+        <p:nvSpPr>
+          <p:cNvPr id="3" name="Notes Placeholder 2"/>
+          <p:cNvSpPr>
+            <a:spLocks noGrp="1"/>
+          </p:cNvSpPr>
+          <p:nvPr>
+            <p:ph type="body" idx="1"/>
+          </p:nvPr>
+        </p:nvSpPr>
+        <p:spPr/>
+        <p:txBody>
+          <a:bodyPr/>
+          <a:lstStyle/>
+          <a:p>
+            <a:endParaRPr lang="en-US" dirty="0"/>
+          </a:p>
+        </p:txBody>
+      </p:sp>
+      <p:sp>
+        <p:nvSpPr>
+          <p:cNvPr id="4" name="Slide Number Placeholder 3"/>
+          <p:cNvSpPr>
+            <a:spLocks noGrp="1"/>
+          </p:cNvSpPr>
+          <p:nvPr>
+            <p:ph type="sldNum" sz="quarter" idx="10"/>
+          </p:nvPr>
+        </p:nvSpPr>
+        <p:spPr/>
+        <p:txBody>
+          <a:bodyPr/>
+          <a:lstStyle/>
+          <a:p>
+            <a:fld id="{654E5807-AEAF-4E2A-9CDA-6D6E1C8B7DF4}" type="slidenum">
+              <a:rPr lang="en-US" smtClean="0"/>
               <a:t>5</a:t>
             </a:fld>
             <a:endParaRPr lang="en-US"/>
@@ -6838,7 +6945,7 @@
     </p:spTree>
     <p:extLst>
       <p:ext uri="{BB962C8B-B14F-4D97-AF65-F5344CB8AC3E}">
-        <p14:creationId xmlns:p14="http://schemas.microsoft.com/office/powerpoint/2010/main" val="2893444688"/>
+        <p14:creationId xmlns:p14="http://schemas.microsoft.com/office/powerpoint/2010/main" val="3540731858"/>
       </p:ext>
     </p:extLst>
   </p:cSld>
@@ -8059,7 +8166,7 @@
           <a:p>
             <a:fld id="{8967F601-7E3C-4A6F-A8EE-2F263D5DA2F5}" type="datetimeFigureOut">
               <a:rPr lang="en-US" smtClean="0"/>
-              <a:t>2/9/2017</a:t>
+              <a:t>2/10/2017</a:t>
             </a:fld>
             <a:endParaRPr lang="en-US"/>
           </a:p>
@@ -8297,7 +8404,7 @@
           <a:p>
             <a:fld id="{8967F601-7E3C-4A6F-A8EE-2F263D5DA2F5}" type="datetimeFigureOut">
               <a:rPr lang="en-US" smtClean="0"/>
-              <a:t>2/9/2017</a:t>
+              <a:t>2/10/2017</a:t>
             </a:fld>
             <a:endParaRPr lang="en-US"/>
           </a:p>
@@ -8477,7 +8584,7 @@
           <a:p>
             <a:fld id="{8967F601-7E3C-4A6F-A8EE-2F263D5DA2F5}" type="datetimeFigureOut">
               <a:rPr lang="en-US" smtClean="0"/>
-              <a:t>2/9/2017</a:t>
+              <a:t>2/10/2017</a:t>
             </a:fld>
             <a:endParaRPr lang="en-US"/>
           </a:p>
@@ -8647,7 +8754,7 @@
           <a:p>
             <a:fld id="{8967F601-7E3C-4A6F-A8EE-2F263D5DA2F5}" type="datetimeFigureOut">
               <a:rPr lang="en-US" smtClean="0"/>
-              <a:t>2/9/2017</a:t>
+              <a:t>2/10/2017</a:t>
             </a:fld>
             <a:endParaRPr lang="en-US"/>
           </a:p>
@@ -8920,7 +9027,7 @@
           <a:p>
             <a:fld id="{8967F601-7E3C-4A6F-A8EE-2F263D5DA2F5}" type="datetimeFigureOut">
               <a:rPr lang="en-US" smtClean="0"/>
-              <a:t>2/9/2017</a:t>
+              <a:t>2/10/2017</a:t>
             </a:fld>
             <a:endParaRPr lang="en-US"/>
           </a:p>
@@ -10121,7 +10228,7 @@
           <a:p>
             <a:fld id="{8967F601-7E3C-4A6F-A8EE-2F263D5DA2F5}" type="datetimeFigureOut">
               <a:rPr lang="en-US" smtClean="0"/>
-              <a:t>2/9/2017</a:t>
+              <a:t>2/10/2017</a:t>
             </a:fld>
             <a:endParaRPr lang="en-US"/>
           </a:p>
@@ -10511,7 +10618,7 @@
           <a:p>
             <a:fld id="{8967F601-7E3C-4A6F-A8EE-2F263D5DA2F5}" type="datetimeFigureOut">
               <a:rPr lang="en-US" smtClean="0"/>
-              <a:t>2/9/2017</a:t>
+              <a:t>2/10/2017</a:t>
             </a:fld>
             <a:endParaRPr lang="en-US"/>
           </a:p>
@@ -10634,7 +10741,7 @@
           <a:p>
             <a:fld id="{8967F601-7E3C-4A6F-A8EE-2F263D5DA2F5}" type="datetimeFigureOut">
               <a:rPr lang="en-US" smtClean="0"/>
-              <a:t>2/9/2017</a:t>
+              <a:t>2/10/2017</a:t>
             </a:fld>
             <a:endParaRPr lang="en-US"/>
           </a:p>
@@ -10729,7 +10836,7 @@
           <a:p>
             <a:fld id="{8967F601-7E3C-4A6F-A8EE-2F263D5DA2F5}" type="datetimeFigureOut">
               <a:rPr lang="en-US" smtClean="0"/>
-              <a:t>2/9/2017</a:t>
+              <a:t>2/10/2017</a:t>
             </a:fld>
             <a:endParaRPr lang="en-US"/>
           </a:p>
@@ -11492,7 +11599,7 @@
           <a:p>
             <a:fld id="{8967F601-7E3C-4A6F-A8EE-2F263D5DA2F5}" type="datetimeFigureOut">
               <a:rPr lang="en-US" smtClean="0"/>
-              <a:t>2/9/2017</a:t>
+              <a:t>2/10/2017</a:t>
             </a:fld>
             <a:endParaRPr lang="en-US"/>
           </a:p>
@@ -12332,7 +12439,7 @@
           <a:p>
             <a:fld id="{8967F601-7E3C-4A6F-A8EE-2F263D5DA2F5}" type="datetimeFigureOut">
               <a:rPr lang="en-US" smtClean="0"/>
-              <a:t>2/9/2017</a:t>
+              <a:t>2/10/2017</a:t>
             </a:fld>
             <a:endParaRPr lang="en-US"/>
           </a:p>
@@ -12559,7 +12666,7 @@
           <a:p>
             <a:fld id="{8967F601-7E3C-4A6F-A8EE-2F263D5DA2F5}" type="datetimeFigureOut">
               <a:rPr lang="en-US" smtClean="0"/>
-              <a:t>2/9/2017</a:t>
+              <a:t>2/10/2017</a:t>
             </a:fld>
             <a:endParaRPr lang="en-US"/>
           </a:p>
@@ -13613,45 +13720,194 @@
         </p:nvSpPr>
         <p:spPr>
           <a:xfrm>
-            <a:off x="8838437" y="5346441"/>
-            <a:ext cx="4046231" cy="1626961"/>
+            <a:off x="270589" y="5290457"/>
+            <a:ext cx="12427468" cy="1692276"/>
           </a:xfrm>
         </p:spPr>
         <p:txBody>
-          <a:bodyPr/>
+          <a:bodyPr>
+            <a:normAutofit fontScale="70000" lnSpcReduction="20000"/>
+          </a:bodyPr>
           <a:lstStyle/>
           <a:p>
             <a:pPr algn="l"/>
             <a:r>
-              <a:rPr lang="en-US" b="0" dirty="0"/>
+              <a:rPr lang="en-US" b="0" dirty="0">
+                <a:solidFill>
+                  <a:schemeClr val="bg1">
+                    <a:lumMod val="85000"/>
+                  </a:schemeClr>
+                </a:solidFill>
+              </a:rPr>
+              <a:t>Under supervision of </a:t>
+            </a:r>
+          </a:p>
+          <a:p>
+            <a:pPr algn="l"/>
+            <a:r>
+              <a:rPr lang="en-US" b="0" dirty="0">
+                <a:solidFill>
+                  <a:schemeClr val="bg1">
+                    <a:lumMod val="85000"/>
+                  </a:schemeClr>
+                </a:solidFill>
+              </a:rPr>
+              <a:t>Prof. Srikanth Krishnamurthy</a:t>
+            </a:r>
+          </a:p>
+          <a:p>
+            <a:pPr algn="l"/>
+            <a:r>
+              <a:rPr lang="en-US" b="0" dirty="0">
+                <a:solidFill>
+                  <a:schemeClr val="bg1">
+                    <a:lumMod val="85000"/>
+                  </a:schemeClr>
+                </a:solidFill>
+              </a:rPr>
               <a:t>Presented by </a:t>
             </a:r>
           </a:p>
           <a:p>
             <a:pPr algn="l"/>
             <a:r>
-              <a:rPr lang="en-US" b="0" dirty="0" err="1"/>
+              <a:rPr lang="en-US" b="0" dirty="0" err="1">
+                <a:solidFill>
+                  <a:schemeClr val="bg1">
+                    <a:lumMod val="85000"/>
+                  </a:schemeClr>
+                </a:solidFill>
+              </a:rPr>
               <a:t>Aashri</a:t>
             </a:r>
             <a:r>
-              <a:rPr lang="en-US" b="0" dirty="0"/>
+              <a:rPr lang="en-US" b="0" dirty="0">
+                <a:solidFill>
+                  <a:schemeClr val="bg1">
+                    <a:lumMod val="85000"/>
+                  </a:schemeClr>
+                </a:solidFill>
+              </a:rPr>
               <a:t> </a:t>
             </a:r>
             <a:r>
-              <a:rPr lang="en-US" b="0" dirty="0" err="1"/>
+              <a:rPr lang="en-US" b="0" dirty="0" err="1">
+                <a:solidFill>
+                  <a:schemeClr val="bg1">
+                    <a:lumMod val="85000"/>
+                  </a:schemeClr>
+                </a:solidFill>
+              </a:rPr>
               <a:t>tandon</a:t>
             </a:r>
             <a:r>
-              <a:rPr lang="en-US" b="0" dirty="0"/>
-              <a:t> Pragati Shaw </a:t>
+              <a:rPr lang="en-US" b="0" dirty="0">
+                <a:solidFill>
+                  <a:schemeClr val="bg1">
+                    <a:lumMod val="85000"/>
+                  </a:schemeClr>
+                </a:solidFill>
+              </a:rPr>
+              <a:t>(</a:t>
             </a:r>
             <a:r>
-              <a:rPr lang="en-US" b="0" dirty="0" err="1"/>
+              <a:rPr lang="en-US" b="0" cap="none" dirty="0">
+                <a:solidFill>
+                  <a:schemeClr val="bg1">
+                    <a:lumMod val="85000"/>
+                  </a:schemeClr>
+                </a:solidFill>
+                <a:hlinkClick r:id="rId2"/>
+              </a:rPr>
+              <a:t>https://www.linkedin.com/in/aashritandon/</a:t>
+            </a:r>
+            <a:r>
+              <a:rPr lang="en-US" b="0" cap="none" dirty="0">
+                <a:solidFill>
+                  <a:schemeClr val="bg1">
+                    <a:lumMod val="85000"/>
+                  </a:schemeClr>
+                </a:solidFill>
+              </a:rPr>
+              <a:t>)</a:t>
+            </a:r>
+          </a:p>
+          <a:p>
+            <a:pPr algn="l"/>
+            <a:r>
+              <a:rPr lang="en-US" b="0" dirty="0">
+                <a:solidFill>
+                  <a:schemeClr val="bg1">
+                    <a:lumMod val="85000"/>
+                  </a:schemeClr>
+                </a:solidFill>
+              </a:rPr>
+              <a:t>Pragati Shaw(</a:t>
+            </a:r>
+            <a:r>
+              <a:rPr lang="en-US" b="0" cap="none" dirty="0">
+                <a:solidFill>
+                  <a:schemeClr val="bg1">
+                    <a:lumMod val="85000"/>
+                  </a:schemeClr>
+                </a:solidFill>
+                <a:hlinkClick r:id="rId3"/>
+              </a:rPr>
+              <a:t>https://www.linkedin.com/in/pragatishaw/</a:t>
+            </a:r>
+            <a:r>
+              <a:rPr lang="en-US" b="0" cap="none" dirty="0">
+                <a:solidFill>
+                  <a:schemeClr val="bg1">
+                    <a:lumMod val="85000"/>
+                  </a:schemeClr>
+                </a:solidFill>
+              </a:rPr>
+              <a:t>)</a:t>
+            </a:r>
+          </a:p>
+          <a:p>
+            <a:pPr algn="l"/>
+            <a:r>
+              <a:rPr lang="en-US" b="0" dirty="0" err="1">
+                <a:solidFill>
+                  <a:schemeClr val="bg1">
+                    <a:lumMod val="85000"/>
+                  </a:schemeClr>
+                </a:solidFill>
+              </a:rPr>
               <a:t>Sarthak</a:t>
             </a:r>
             <a:r>
-              <a:rPr lang="en-US" b="0" dirty="0"/>
-              <a:t> Agarwal</a:t>
+              <a:rPr lang="en-US" b="0" dirty="0">
+                <a:solidFill>
+                  <a:schemeClr val="bg1">
+                    <a:lumMod val="85000"/>
+                  </a:schemeClr>
+                </a:solidFill>
+              </a:rPr>
+              <a:t> Agarwal(</a:t>
+            </a:r>
+            <a:r>
+              <a:rPr lang="en-US" b="0" cap="none" dirty="0">
+                <a:solidFill>
+                  <a:schemeClr val="bg1">
+                    <a:lumMod val="85000"/>
+                  </a:schemeClr>
+                </a:solidFill>
+                <a:hlinkClick r:id="rId4"/>
+              </a:rPr>
+              <a:t>https://www.linkedin.com/in/sarthaka/</a:t>
+            </a:r>
+            <a:r>
+              <a:rPr lang="en-US" b="0" cap="none" dirty="0">
+                <a:solidFill>
+                  <a:schemeClr val="bg1">
+                    <a:lumMod val="85000"/>
+                  </a:schemeClr>
+                </a:solidFill>
+              </a:rPr>
+              <a:t>)</a:t>
             </a:r>
           </a:p>
         </p:txBody>
@@ -13670,86 +13926,6 @@
 </file>
 
 <file path=ppt/slides/slide10.xml><?xml version="1.0" encoding="utf-8"?>
-<p:sld xmlns:a="http://schemas.openxmlformats.org/drawingml/2006/main" xmlns:r="http://schemas.openxmlformats.org/officeDocument/2006/relationships" xmlns:p="http://schemas.openxmlformats.org/presentationml/2006/main">
-  <p:cSld>
-    <p:spTree>
-      <p:nvGrpSpPr>
-        <p:cNvPr id="1" name=""/>
-        <p:cNvGrpSpPr/>
-        <p:nvPr/>
-      </p:nvGrpSpPr>
-      <p:grpSpPr>
-        <a:xfrm>
-          <a:off x="0" y="0"/>
-          <a:ext cx="0" cy="0"/>
-          <a:chOff x="0" y="0"/>
-          <a:chExt cx="0" cy="0"/>
-        </a:xfrm>
-      </p:grpSpPr>
-      <p:sp>
-        <p:nvSpPr>
-          <p:cNvPr id="3" name="Subtitle 2"/>
-          <p:cNvSpPr>
-            <a:spLocks noGrp="1"/>
-          </p:cNvSpPr>
-          <p:nvPr>
-            <p:ph type="subTitle" idx="1"/>
-          </p:nvPr>
-        </p:nvSpPr>
-        <p:spPr/>
-        <p:txBody>
-          <a:bodyPr>
-            <a:noAutofit/>
-          </a:bodyPr>
-          <a:lstStyle/>
-          <a:p>
-            <a:r>
-              <a:rPr lang="en-US" sz="4400" dirty="0"/>
-              <a:t>Questions</a:t>
-            </a:r>
-          </a:p>
-        </p:txBody>
-      </p:sp>
-      <p:pic>
-        <p:nvPicPr>
-          <p:cNvPr id="4" name="Content Placeholder 3"/>
-          <p:cNvPicPr>
-            <a:picLocks noGrp="1" noChangeAspect="1"/>
-          </p:cNvPicPr>
-          <p:nvPr>
-            <p:ph idx="1"/>
-          </p:nvPr>
-        </p:nvPicPr>
-        <p:blipFill>
-          <a:blip r:embed="rId2"/>
-          <a:stretch>
-            <a:fillRect/>
-          </a:stretch>
-        </p:blipFill>
-        <p:spPr>
-          <a:xfrm>
-            <a:off x="4241259" y="1858714"/>
-            <a:ext cx="3821589" cy="2706358"/>
-          </a:xfrm>
-          <a:prstGeom prst="rect">
-            <a:avLst/>
-          </a:prstGeom>
-        </p:spPr>
-      </p:pic>
-    </p:spTree>
-    <p:extLst>
-      <p:ext uri="{BB962C8B-B14F-4D97-AF65-F5344CB8AC3E}">
-        <p14:creationId xmlns:p14="http://schemas.microsoft.com/office/powerpoint/2010/main" val="1110766365"/>
-      </p:ext>
-    </p:extLst>
-  </p:cSld>
-  <p:clrMapOvr>
-    <a:masterClrMapping/>
-  </p:clrMapOvr>
-</p:sld>
-</file>
-
-<file path=ppt/slides/slide11.xml><?xml version="1.0" encoding="utf-8"?>
 <p:sld xmlns:a="http://schemas.openxmlformats.org/drawingml/2006/main" xmlns:r="http://schemas.openxmlformats.org/officeDocument/2006/relationships" xmlns:p="http://schemas.openxmlformats.org/presentationml/2006/main">
   <p:cSld>
     <p:spTree>
@@ -13888,19 +14064,13 @@
           <a:p>
             <a:r>
               <a:rPr lang="en-US" dirty="0"/>
-              <a:t>What are Kubernetes? </a:t>
+              <a:t>Why Docker is not enough?</a:t>
             </a:r>
           </a:p>
           <a:p>
             <a:r>
               <a:rPr lang="en-US" dirty="0"/>
-              <a:t>Why Kubernetes?</a:t>
-            </a:r>
-          </a:p>
-          <a:p>
-            <a:r>
-              <a:rPr lang="en-US" dirty="0"/>
-              <a:t>Why Docker is not enough?</a:t>
+              <a:t>What are Kubernetes? </a:t>
             </a:r>
           </a:p>
           <a:p>
@@ -13937,232 +14107,6 @@
 </file>
 
 <file path=ppt/slides/slide3.xml><?xml version="1.0" encoding="utf-8"?>
-<p:sld xmlns:a="http://schemas.openxmlformats.org/drawingml/2006/main" xmlns:r="http://schemas.openxmlformats.org/officeDocument/2006/relationships" xmlns:p="http://schemas.openxmlformats.org/presentationml/2006/main">
-  <p:cSld>
-    <p:spTree>
-      <p:nvGrpSpPr>
-        <p:cNvPr id="1" name=""/>
-        <p:cNvGrpSpPr/>
-        <p:nvPr/>
-      </p:nvGrpSpPr>
-      <p:grpSpPr>
-        <a:xfrm>
-          <a:off x="0" y="0"/>
-          <a:ext cx="0" cy="0"/>
-          <a:chOff x="0" y="0"/>
-          <a:chExt cx="0" cy="0"/>
-        </a:xfrm>
-      </p:grpSpPr>
-      <p:sp>
-        <p:nvSpPr>
-          <p:cNvPr id="2" name="Title 1"/>
-          <p:cNvSpPr>
-            <a:spLocks noGrp="1"/>
-          </p:cNvSpPr>
-          <p:nvPr>
-            <p:ph type="title"/>
-          </p:nvPr>
-        </p:nvSpPr>
-        <p:spPr>
-          <a:xfrm>
-            <a:off x="1251678" y="382385"/>
-            <a:ext cx="10178322" cy="690635"/>
-          </a:xfrm>
-        </p:spPr>
-        <p:txBody>
-          <a:bodyPr>
-            <a:normAutofit fontScale="90000"/>
-          </a:bodyPr>
-          <a:lstStyle/>
-          <a:p>
-            <a:r>
-              <a:rPr lang="en-US" dirty="0"/>
-              <a:t>Kubernetes</a:t>
-            </a:r>
-          </a:p>
-        </p:txBody>
-      </p:sp>
-      <p:sp>
-        <p:nvSpPr>
-          <p:cNvPr id="3" name="Content Placeholder 2"/>
-          <p:cNvSpPr>
-            <a:spLocks noGrp="1"/>
-          </p:cNvSpPr>
-          <p:nvPr>
-            <p:ph idx="1"/>
-          </p:nvPr>
-        </p:nvSpPr>
-        <p:spPr>
-          <a:xfrm>
-            <a:off x="1251678" y="1175657"/>
-            <a:ext cx="10038363" cy="5299788"/>
-          </a:xfrm>
-        </p:spPr>
-        <p:txBody>
-          <a:bodyPr/>
-          <a:lstStyle/>
-          <a:p>
-            <a:pPr marL="0" indent="0">
-              <a:buNone/>
-            </a:pPr>
-            <a:r>
-              <a:rPr lang="en-US" sz="2400" dirty="0"/>
-              <a:t>Kubernetes is an open-source platform for automating deployment, scaling, and operations of application containers across clusters of hosts, providing container-centric infrastructure.</a:t>
-            </a:r>
-          </a:p>
-          <a:p>
-            <a:pPr marL="0" indent="0">
-              <a:buNone/>
-            </a:pPr>
-            <a:endParaRPr lang="en-US" dirty="0"/>
-          </a:p>
-        </p:txBody>
-      </p:sp>
-      <p:graphicFrame>
-        <p:nvGraphicFramePr>
-          <p:cNvPr id="4" name="Diagram 3"/>
-          <p:cNvGraphicFramePr/>
-          <p:nvPr>
-            <p:extLst>
-              <p:ext uri="{D42A27DB-BD31-4B8C-83A1-F6EECF244321}">
-                <p14:modId xmlns:p14="http://schemas.microsoft.com/office/powerpoint/2010/main" val="395268827"/>
-              </p:ext>
-            </p:extLst>
-          </p:nvPr>
-        </p:nvGraphicFramePr>
-        <p:xfrm>
-          <a:off x="1839337" y="2603240"/>
-          <a:ext cx="9003004" cy="4124131"/>
-        </p:xfrm>
-        <a:graphic>
-          <a:graphicData uri="http://schemas.openxmlformats.org/drawingml/2006/diagram">
-            <dgm:relIds xmlns:dgm="http://schemas.openxmlformats.org/drawingml/2006/diagram" xmlns:r="http://schemas.openxmlformats.org/officeDocument/2006/relationships" r:dm="rId2" r:lo="rId3" r:qs="rId4" r:cs="rId5"/>
-          </a:graphicData>
-        </a:graphic>
-      </p:graphicFrame>
-    </p:spTree>
-    <p:extLst>
-      <p:ext uri="{BB962C8B-B14F-4D97-AF65-F5344CB8AC3E}">
-        <p14:creationId xmlns:p14="http://schemas.microsoft.com/office/powerpoint/2010/main" val="3034475501"/>
-      </p:ext>
-    </p:extLst>
-  </p:cSld>
-  <p:clrMapOvr>
-    <a:masterClrMapping/>
-  </p:clrMapOvr>
-</p:sld>
-</file>
-
-<file path=ppt/slides/slide4.xml><?xml version="1.0" encoding="utf-8"?>
-<p:sld xmlns:a="http://schemas.openxmlformats.org/drawingml/2006/main" xmlns:r="http://schemas.openxmlformats.org/officeDocument/2006/relationships" xmlns:p="http://schemas.openxmlformats.org/presentationml/2006/main">
-  <p:cSld>
-    <p:spTree>
-      <p:nvGrpSpPr>
-        <p:cNvPr id="1" name=""/>
-        <p:cNvGrpSpPr/>
-        <p:nvPr/>
-      </p:nvGrpSpPr>
-      <p:grpSpPr>
-        <a:xfrm>
-          <a:off x="0" y="0"/>
-          <a:ext cx="0" cy="0"/>
-          <a:chOff x="0" y="0"/>
-          <a:chExt cx="0" cy="0"/>
-        </a:xfrm>
-      </p:grpSpPr>
-      <p:sp>
-        <p:nvSpPr>
-          <p:cNvPr id="2" name="Title 1"/>
-          <p:cNvSpPr>
-            <a:spLocks noGrp="1"/>
-          </p:cNvSpPr>
-          <p:nvPr>
-            <p:ph type="title"/>
-          </p:nvPr>
-        </p:nvSpPr>
-        <p:spPr>
-          <a:xfrm>
-            <a:off x="1251678" y="382385"/>
-            <a:ext cx="10178322" cy="690635"/>
-          </a:xfrm>
-        </p:spPr>
-        <p:txBody>
-          <a:bodyPr>
-            <a:normAutofit fontScale="90000"/>
-          </a:bodyPr>
-          <a:lstStyle/>
-          <a:p>
-            <a:r>
-              <a:rPr lang="en-US" dirty="0"/>
-              <a:t>Why Kubernetes?</a:t>
-            </a:r>
-          </a:p>
-        </p:txBody>
-      </p:sp>
-      <p:sp>
-        <p:nvSpPr>
-          <p:cNvPr id="3" name="Content Placeholder 2"/>
-          <p:cNvSpPr>
-            <a:spLocks noGrp="1"/>
-          </p:cNvSpPr>
-          <p:nvPr>
-            <p:ph idx="1"/>
-          </p:nvPr>
-        </p:nvSpPr>
-        <p:spPr>
-          <a:xfrm>
-            <a:off x="1251678" y="1651517"/>
-            <a:ext cx="10178322" cy="4823927"/>
-          </a:xfrm>
-        </p:spPr>
-        <p:txBody>
-          <a:bodyPr/>
-          <a:lstStyle/>
-          <a:p>
-            <a:r>
-              <a:rPr lang="en-US" sz="2400" dirty="0"/>
-              <a:t>Provides the infrastructure to build a truly </a:t>
-            </a:r>
-            <a:r>
-              <a:rPr lang="en-US" sz="2400" b="1" dirty="0"/>
-              <a:t>container-centric</a:t>
-            </a:r>
-            <a:r>
-              <a:rPr lang="en-US" sz="2400" dirty="0"/>
-              <a:t> development environment</a:t>
-            </a:r>
-          </a:p>
-          <a:p>
-            <a:r>
-              <a:rPr lang="en-US" sz="2400" dirty="0"/>
-              <a:t>Can schedule and run application containers on clusters of physical or VMs</a:t>
-            </a:r>
-          </a:p>
-          <a:p>
-            <a:r>
-              <a:rPr lang="en-US" sz="2400" dirty="0"/>
-              <a:t>It packages all necessary tools- orchestration, service discovery, load balancing together</a:t>
-            </a:r>
-          </a:p>
-          <a:p>
-            <a:endParaRPr lang="en-US" dirty="0"/>
-          </a:p>
-        </p:txBody>
-      </p:sp>
-    </p:spTree>
-    <p:extLst>
-      <p:ext uri="{BB962C8B-B14F-4D97-AF65-F5344CB8AC3E}">
-        <p14:creationId xmlns:p14="http://schemas.microsoft.com/office/powerpoint/2010/main" val="3748318066"/>
-      </p:ext>
-    </p:extLst>
-  </p:cSld>
-  <p:clrMapOvr>
-    <a:masterClrMapping/>
-  </p:clrMapOvr>
-</p:sld>
-</file>
-
-<file path=ppt/slides/slide5.xml><?xml version="1.0" encoding="utf-8"?>
 <p:sld xmlns:a="http://schemas.openxmlformats.org/drawingml/2006/main" xmlns:r="http://schemas.openxmlformats.org/officeDocument/2006/relationships" xmlns:p="http://schemas.openxmlformats.org/presentationml/2006/main">
   <p:cSld>
     <p:spTree>
@@ -14293,6 +14237,222 @@
 </p:sld>
 </file>
 
+<file path=ppt/slides/slide4.xml><?xml version="1.0" encoding="utf-8"?>
+<p:sld xmlns:a="http://schemas.openxmlformats.org/drawingml/2006/main" xmlns:r="http://schemas.openxmlformats.org/officeDocument/2006/relationships" xmlns:p="http://schemas.openxmlformats.org/presentationml/2006/main">
+  <p:cSld>
+    <p:spTree>
+      <p:nvGrpSpPr>
+        <p:cNvPr id="1" name=""/>
+        <p:cNvGrpSpPr/>
+        <p:nvPr/>
+      </p:nvGrpSpPr>
+      <p:grpSpPr>
+        <a:xfrm>
+          <a:off x="0" y="0"/>
+          <a:ext cx="0" cy="0"/>
+          <a:chOff x="0" y="0"/>
+          <a:chExt cx="0" cy="0"/>
+        </a:xfrm>
+      </p:grpSpPr>
+      <p:sp>
+        <p:nvSpPr>
+          <p:cNvPr id="2" name="Title 1"/>
+          <p:cNvSpPr>
+            <a:spLocks noGrp="1"/>
+          </p:cNvSpPr>
+          <p:nvPr>
+            <p:ph type="title"/>
+          </p:nvPr>
+        </p:nvSpPr>
+        <p:spPr>
+          <a:xfrm>
+            <a:off x="1251678" y="382385"/>
+            <a:ext cx="10178322" cy="690635"/>
+          </a:xfrm>
+        </p:spPr>
+        <p:txBody>
+          <a:bodyPr>
+            <a:normAutofit fontScale="90000"/>
+          </a:bodyPr>
+          <a:lstStyle/>
+          <a:p>
+            <a:r>
+              <a:rPr lang="en-US" dirty="0"/>
+              <a:t>Kubernetes</a:t>
+            </a:r>
+          </a:p>
+        </p:txBody>
+      </p:sp>
+      <p:sp>
+        <p:nvSpPr>
+          <p:cNvPr id="3" name="Content Placeholder 2"/>
+          <p:cNvSpPr>
+            <a:spLocks noGrp="1"/>
+          </p:cNvSpPr>
+          <p:nvPr>
+            <p:ph idx="1"/>
+          </p:nvPr>
+        </p:nvSpPr>
+        <p:spPr>
+          <a:xfrm>
+            <a:off x="1251678" y="1175657"/>
+            <a:ext cx="10038363" cy="5299788"/>
+          </a:xfrm>
+        </p:spPr>
+        <p:txBody>
+          <a:bodyPr/>
+          <a:lstStyle/>
+          <a:p>
+            <a:pPr marL="0" indent="0">
+              <a:buNone/>
+            </a:pPr>
+            <a:r>
+              <a:rPr lang="en-US" sz="2400" dirty="0"/>
+              <a:t>Kubernetes is an open-source platform for automating deployment, scaling, and operations of application containers across clusters of hosts, providing container-centric infrastructure.</a:t>
+            </a:r>
+          </a:p>
+          <a:p>
+            <a:pPr marL="0" indent="0">
+              <a:buNone/>
+            </a:pPr>
+            <a:r>
+              <a:rPr lang="en-US" sz="2400" dirty="0"/>
+              <a:t>It packages all necessary tools- orchestration, service discovery, load balancing together</a:t>
+            </a:r>
+          </a:p>
+          <a:p>
+            <a:pPr marL="0" indent="0">
+              <a:buNone/>
+            </a:pPr>
+            <a:endParaRPr lang="en-US" sz="2400" dirty="0"/>
+          </a:p>
+          <a:p>
+            <a:pPr marL="0" indent="0">
+              <a:buNone/>
+            </a:pPr>
+            <a:endParaRPr lang="en-US" dirty="0"/>
+          </a:p>
+        </p:txBody>
+      </p:sp>
+      <p:graphicFrame>
+        <p:nvGraphicFramePr>
+          <p:cNvPr id="4" name="Diagram 3"/>
+          <p:cNvGraphicFramePr/>
+          <p:nvPr>
+            <p:extLst>
+              <p:ext uri="{D42A27DB-BD31-4B8C-83A1-F6EECF244321}">
+                <p14:modId xmlns:p14="http://schemas.microsoft.com/office/powerpoint/2010/main" val="2393397992"/>
+              </p:ext>
+            </p:extLst>
+          </p:nvPr>
+        </p:nvGraphicFramePr>
+        <p:xfrm>
+          <a:off x="1941974" y="3041780"/>
+          <a:ext cx="9003004" cy="3648269"/>
+        </p:xfrm>
+        <a:graphic>
+          <a:graphicData uri="http://schemas.openxmlformats.org/drawingml/2006/diagram">
+            <dgm:relIds xmlns:dgm="http://schemas.openxmlformats.org/drawingml/2006/diagram" xmlns:r="http://schemas.openxmlformats.org/officeDocument/2006/relationships" r:dm="rId2" r:lo="rId3" r:qs="rId4" r:cs="rId5"/>
+          </a:graphicData>
+        </a:graphic>
+      </p:graphicFrame>
+    </p:spTree>
+    <p:extLst>
+      <p:ext uri="{BB962C8B-B14F-4D97-AF65-F5344CB8AC3E}">
+        <p14:creationId xmlns:p14="http://schemas.microsoft.com/office/powerpoint/2010/main" val="3034475501"/>
+      </p:ext>
+    </p:extLst>
+  </p:cSld>
+  <p:clrMapOvr>
+    <a:masterClrMapping/>
+  </p:clrMapOvr>
+</p:sld>
+</file>
+
+<file path=ppt/slides/slide5.xml><?xml version="1.0" encoding="utf-8"?>
+<p:sld xmlns:a="http://schemas.openxmlformats.org/drawingml/2006/main" xmlns:r="http://schemas.openxmlformats.org/officeDocument/2006/relationships" xmlns:p="http://schemas.openxmlformats.org/presentationml/2006/main">
+  <p:cSld>
+    <p:spTree>
+      <p:nvGrpSpPr>
+        <p:cNvPr id="1" name=""/>
+        <p:cNvGrpSpPr/>
+        <p:nvPr/>
+      </p:nvGrpSpPr>
+      <p:grpSpPr>
+        <a:xfrm>
+          <a:off x="0" y="0"/>
+          <a:ext cx="0" cy="0"/>
+          <a:chOff x="0" y="0"/>
+          <a:chExt cx="0" cy="0"/>
+        </a:xfrm>
+      </p:grpSpPr>
+      <p:sp>
+        <p:nvSpPr>
+          <p:cNvPr id="2" name="Title 1"/>
+          <p:cNvSpPr>
+            <a:spLocks noGrp="1"/>
+          </p:cNvSpPr>
+          <p:nvPr>
+            <p:ph type="title"/>
+          </p:nvPr>
+        </p:nvSpPr>
+        <p:spPr>
+          <a:xfrm>
+            <a:off x="1251678" y="382385"/>
+            <a:ext cx="10178322" cy="690635"/>
+          </a:xfrm>
+        </p:spPr>
+        <p:txBody>
+          <a:bodyPr>
+            <a:normAutofit fontScale="90000"/>
+          </a:bodyPr>
+          <a:lstStyle/>
+          <a:p>
+            <a:r>
+              <a:rPr lang="en-US" dirty="0"/>
+              <a:t>Components</a:t>
+            </a:r>
+          </a:p>
+        </p:txBody>
+      </p:sp>
+      <p:graphicFrame>
+        <p:nvGraphicFramePr>
+          <p:cNvPr id="8" name="Content Placeholder 7"/>
+          <p:cNvGraphicFramePr>
+            <a:graphicFrameLocks noGrp="1"/>
+          </p:cNvGraphicFramePr>
+          <p:nvPr>
+            <p:ph idx="1"/>
+            <p:extLst>
+              <p:ext uri="{D42A27DB-BD31-4B8C-83A1-F6EECF244321}">
+                <p14:modId xmlns:p14="http://schemas.microsoft.com/office/powerpoint/2010/main" val="1242749218"/>
+              </p:ext>
+            </p:extLst>
+          </p:nvPr>
+        </p:nvGraphicFramePr>
+        <p:xfrm>
+          <a:off x="1251678" y="1950099"/>
+          <a:ext cx="8817428" cy="2827174"/>
+        </p:xfrm>
+        <a:graphic>
+          <a:graphicData uri="http://schemas.openxmlformats.org/drawingml/2006/diagram">
+            <dgm:relIds xmlns:dgm="http://schemas.openxmlformats.org/drawingml/2006/diagram" xmlns:r="http://schemas.openxmlformats.org/officeDocument/2006/relationships" r:dm="rId3" r:lo="rId4" r:qs="rId5" r:cs="rId6"/>
+          </a:graphicData>
+        </a:graphic>
+      </p:graphicFrame>
+    </p:spTree>
+    <p:extLst>
+      <p:ext uri="{BB962C8B-B14F-4D97-AF65-F5344CB8AC3E}">
+        <p14:creationId xmlns:p14="http://schemas.microsoft.com/office/powerpoint/2010/main" val="417535851"/>
+      </p:ext>
+    </p:extLst>
+  </p:cSld>
+  <p:clrMapOvr>
+    <a:masterClrMapping/>
+  </p:clrMapOvr>
+</p:sld>
+</file>
+
 <file path=ppt/slides/slide6.xml><?xml version="1.0" encoding="utf-8"?>
 <p:sld xmlns:a="http://schemas.openxmlformats.org/drawingml/2006/main" xmlns:r="http://schemas.openxmlformats.org/officeDocument/2006/relationships" xmlns:p="http://schemas.openxmlformats.org/presentationml/2006/main">
   <p:cSld>
@@ -14401,90 +14561,6 @@
             <p:ph type="title"/>
           </p:nvPr>
         </p:nvSpPr>
-        <p:spPr>
-          <a:xfrm>
-            <a:off x="1251678" y="382385"/>
-            <a:ext cx="10178322" cy="690635"/>
-          </a:xfrm>
-        </p:spPr>
-        <p:txBody>
-          <a:bodyPr>
-            <a:normAutofit fontScale="90000"/>
-          </a:bodyPr>
-          <a:lstStyle/>
-          <a:p>
-            <a:r>
-              <a:rPr lang="en-US" dirty="0"/>
-              <a:t>Components</a:t>
-            </a:r>
-          </a:p>
-        </p:txBody>
-      </p:sp>
-      <p:graphicFrame>
-        <p:nvGraphicFramePr>
-          <p:cNvPr id="8" name="Content Placeholder 7"/>
-          <p:cNvGraphicFramePr>
-            <a:graphicFrameLocks noGrp="1"/>
-          </p:cNvGraphicFramePr>
-          <p:nvPr>
-            <p:ph idx="1"/>
-            <p:extLst>
-              <p:ext uri="{D42A27DB-BD31-4B8C-83A1-F6EECF244321}">
-                <p14:modId xmlns:p14="http://schemas.microsoft.com/office/powerpoint/2010/main" val="1293906079"/>
-              </p:ext>
-            </p:extLst>
-          </p:nvPr>
-        </p:nvGraphicFramePr>
-        <p:xfrm>
-          <a:off x="1251678" y="1950099"/>
-          <a:ext cx="8817428" cy="2827174"/>
-        </p:xfrm>
-        <a:graphic>
-          <a:graphicData uri="http://schemas.openxmlformats.org/drawingml/2006/diagram">
-            <dgm:relIds xmlns:dgm="http://schemas.openxmlformats.org/drawingml/2006/diagram" xmlns:r="http://schemas.openxmlformats.org/officeDocument/2006/relationships" r:dm="rId2" r:lo="rId3" r:qs="rId4" r:cs="rId5"/>
-          </a:graphicData>
-        </a:graphic>
-      </p:graphicFrame>
-    </p:spTree>
-    <p:extLst>
-      <p:ext uri="{BB962C8B-B14F-4D97-AF65-F5344CB8AC3E}">
-        <p14:creationId xmlns:p14="http://schemas.microsoft.com/office/powerpoint/2010/main" val="417535851"/>
-      </p:ext>
-    </p:extLst>
-  </p:cSld>
-  <p:clrMapOvr>
-    <a:masterClrMapping/>
-  </p:clrMapOvr>
-</p:sld>
-</file>
-
-<file path=ppt/slides/slide8.xml><?xml version="1.0" encoding="utf-8"?>
-<p:sld xmlns:a="http://schemas.openxmlformats.org/drawingml/2006/main" xmlns:r="http://schemas.openxmlformats.org/officeDocument/2006/relationships" xmlns:p="http://schemas.openxmlformats.org/presentationml/2006/main">
-  <p:cSld>
-    <p:spTree>
-      <p:nvGrpSpPr>
-        <p:cNvPr id="1" name=""/>
-        <p:cNvGrpSpPr/>
-        <p:nvPr/>
-      </p:nvGrpSpPr>
-      <p:grpSpPr>
-        <a:xfrm>
-          <a:off x="0" y="0"/>
-          <a:ext cx="0" cy="0"/>
-          <a:chOff x="0" y="0"/>
-          <a:chExt cx="0" cy="0"/>
-        </a:xfrm>
-      </p:grpSpPr>
-      <p:sp>
-        <p:nvSpPr>
-          <p:cNvPr id="2" name="Title 1"/>
-          <p:cNvSpPr>
-            <a:spLocks noGrp="1"/>
-          </p:cNvSpPr>
-          <p:nvPr>
-            <p:ph type="title"/>
-          </p:nvPr>
-        </p:nvSpPr>
         <p:spPr/>
         <p:txBody>
           <a:bodyPr/>
@@ -14534,7 +14610,7 @@
 </p:sld>
 </file>
 
-<file path=ppt/slides/slide9.xml><?xml version="1.0" encoding="utf-8"?>
+<file path=ppt/slides/slide8.xml><?xml version="1.0" encoding="utf-8"?>
 <p:sld xmlns:a="http://schemas.openxmlformats.org/drawingml/2006/main" xmlns:r="http://schemas.openxmlformats.org/officeDocument/2006/relationships" xmlns:p="http://schemas.openxmlformats.org/presentationml/2006/main">
   <p:cSld>
     <p:spTree>
@@ -14603,6 +14679,86 @@
     <p:extLst>
       <p:ext uri="{BB962C8B-B14F-4D97-AF65-F5344CB8AC3E}">
         <p14:creationId xmlns:p14="http://schemas.microsoft.com/office/powerpoint/2010/main" val="1847209295"/>
+      </p:ext>
+    </p:extLst>
+  </p:cSld>
+  <p:clrMapOvr>
+    <a:masterClrMapping/>
+  </p:clrMapOvr>
+</p:sld>
+</file>
+
+<file path=ppt/slides/slide9.xml><?xml version="1.0" encoding="utf-8"?>
+<p:sld xmlns:a="http://schemas.openxmlformats.org/drawingml/2006/main" xmlns:r="http://schemas.openxmlformats.org/officeDocument/2006/relationships" xmlns:p="http://schemas.openxmlformats.org/presentationml/2006/main">
+  <p:cSld>
+    <p:spTree>
+      <p:nvGrpSpPr>
+        <p:cNvPr id="1" name=""/>
+        <p:cNvGrpSpPr/>
+        <p:nvPr/>
+      </p:nvGrpSpPr>
+      <p:grpSpPr>
+        <a:xfrm>
+          <a:off x="0" y="0"/>
+          <a:ext cx="0" cy="0"/>
+          <a:chOff x="0" y="0"/>
+          <a:chExt cx="0" cy="0"/>
+        </a:xfrm>
+      </p:grpSpPr>
+      <p:sp>
+        <p:nvSpPr>
+          <p:cNvPr id="3" name="Subtitle 2"/>
+          <p:cNvSpPr>
+            <a:spLocks noGrp="1"/>
+          </p:cNvSpPr>
+          <p:nvPr>
+            <p:ph type="subTitle" idx="1"/>
+          </p:nvPr>
+        </p:nvSpPr>
+        <p:spPr/>
+        <p:txBody>
+          <a:bodyPr>
+            <a:noAutofit/>
+          </a:bodyPr>
+          <a:lstStyle/>
+          <a:p>
+            <a:r>
+              <a:rPr lang="en-US" sz="4400" dirty="0"/>
+              <a:t>Questions</a:t>
+            </a:r>
+          </a:p>
+        </p:txBody>
+      </p:sp>
+      <p:pic>
+        <p:nvPicPr>
+          <p:cNvPr id="4" name="Content Placeholder 3"/>
+          <p:cNvPicPr>
+            <a:picLocks noGrp="1" noChangeAspect="1"/>
+          </p:cNvPicPr>
+          <p:nvPr>
+            <p:ph idx="1"/>
+          </p:nvPr>
+        </p:nvPicPr>
+        <p:blipFill>
+          <a:blip r:embed="rId2"/>
+          <a:stretch>
+            <a:fillRect/>
+          </a:stretch>
+        </p:blipFill>
+        <p:spPr>
+          <a:xfrm>
+            <a:off x="4241259" y="1858714"/>
+            <a:ext cx="3821589" cy="2706358"/>
+          </a:xfrm>
+          <a:prstGeom prst="rect">
+            <a:avLst/>
+          </a:prstGeom>
+        </p:spPr>
+      </p:pic>
+    </p:spTree>
+    <p:extLst>
+      <p:ext uri="{BB962C8B-B14F-4D97-AF65-F5344CB8AC3E}">
+        <p14:creationId xmlns:p14="http://schemas.microsoft.com/office/powerpoint/2010/main" val="1110766365"/>
       </p:ext>
     </p:extLst>
   </p:cSld>

--- a/Team9-ppt.pptx
+++ b/Team9-ppt.pptx
@@ -5,7 +5,7 @@
     <p:sldMasterId id="2147483696" r:id="rId1"/>
   </p:sldMasterIdLst>
   <p:notesMasterIdLst>
-    <p:notesMasterId r:id="rId12"/>
+    <p:notesMasterId r:id="rId14"/>
   </p:notesMasterIdLst>
   <p:sldIdLst>
     <p:sldId id="256" r:id="rId2"/>
@@ -16,8 +16,10 @@
     <p:sldId id="261" r:id="rId7"/>
     <p:sldId id="263" r:id="rId8"/>
     <p:sldId id="264" r:id="rId9"/>
-    <p:sldId id="265" r:id="rId10"/>
-    <p:sldId id="266" r:id="rId11"/>
+    <p:sldId id="269" r:id="rId10"/>
+    <p:sldId id="267" r:id="rId11"/>
+    <p:sldId id="265" r:id="rId12"/>
+    <p:sldId id="266" r:id="rId13"/>
   </p:sldIdLst>
   <p:sldSz cx="12192000" cy="6858000"/>
   <p:notesSz cx="6858000" cy="9144000"/>
@@ -6520,7 +6522,7 @@
           <a:p>
             <a:fld id="{D84BA11F-B04F-4771-A817-EE614FDFEA41}" type="datetimeFigureOut">
               <a:rPr lang="en-US" smtClean="0"/>
-              <a:t>2/10/2017</a:t>
+              <a:t>2/11/2017</a:t>
             </a:fld>
             <a:endParaRPr lang="en-US"/>
           </a:p>
@@ -8166,7 +8168,7 @@
           <a:p>
             <a:fld id="{8967F601-7E3C-4A6F-A8EE-2F263D5DA2F5}" type="datetimeFigureOut">
               <a:rPr lang="en-US" smtClean="0"/>
-              <a:t>2/10/2017</a:t>
+              <a:t>2/11/2017</a:t>
             </a:fld>
             <a:endParaRPr lang="en-US"/>
           </a:p>
@@ -8404,7 +8406,7 @@
           <a:p>
             <a:fld id="{8967F601-7E3C-4A6F-A8EE-2F263D5DA2F5}" type="datetimeFigureOut">
               <a:rPr lang="en-US" smtClean="0"/>
-              <a:t>2/10/2017</a:t>
+              <a:t>2/11/2017</a:t>
             </a:fld>
             <a:endParaRPr lang="en-US"/>
           </a:p>
@@ -8584,7 +8586,7 @@
           <a:p>
             <a:fld id="{8967F601-7E3C-4A6F-A8EE-2F263D5DA2F5}" type="datetimeFigureOut">
               <a:rPr lang="en-US" smtClean="0"/>
-              <a:t>2/10/2017</a:t>
+              <a:t>2/11/2017</a:t>
             </a:fld>
             <a:endParaRPr lang="en-US"/>
           </a:p>
@@ -8754,7 +8756,7 @@
           <a:p>
             <a:fld id="{8967F601-7E3C-4A6F-A8EE-2F263D5DA2F5}" type="datetimeFigureOut">
               <a:rPr lang="en-US" smtClean="0"/>
-              <a:t>2/10/2017</a:t>
+              <a:t>2/11/2017</a:t>
             </a:fld>
             <a:endParaRPr lang="en-US"/>
           </a:p>
@@ -9027,7 +9029,7 @@
           <a:p>
             <a:fld id="{8967F601-7E3C-4A6F-A8EE-2F263D5DA2F5}" type="datetimeFigureOut">
               <a:rPr lang="en-US" smtClean="0"/>
-              <a:t>2/10/2017</a:t>
+              <a:t>2/11/2017</a:t>
             </a:fld>
             <a:endParaRPr lang="en-US"/>
           </a:p>
@@ -10228,7 +10230,7 @@
           <a:p>
             <a:fld id="{8967F601-7E3C-4A6F-A8EE-2F263D5DA2F5}" type="datetimeFigureOut">
               <a:rPr lang="en-US" smtClean="0"/>
-              <a:t>2/10/2017</a:t>
+              <a:t>2/11/2017</a:t>
             </a:fld>
             <a:endParaRPr lang="en-US"/>
           </a:p>
@@ -10618,7 +10620,7 @@
           <a:p>
             <a:fld id="{8967F601-7E3C-4A6F-A8EE-2F263D5DA2F5}" type="datetimeFigureOut">
               <a:rPr lang="en-US" smtClean="0"/>
-              <a:t>2/10/2017</a:t>
+              <a:t>2/11/2017</a:t>
             </a:fld>
             <a:endParaRPr lang="en-US"/>
           </a:p>
@@ -10741,7 +10743,7 @@
           <a:p>
             <a:fld id="{8967F601-7E3C-4A6F-A8EE-2F263D5DA2F5}" type="datetimeFigureOut">
               <a:rPr lang="en-US" smtClean="0"/>
-              <a:t>2/10/2017</a:t>
+              <a:t>2/11/2017</a:t>
             </a:fld>
             <a:endParaRPr lang="en-US"/>
           </a:p>
@@ -10836,7 +10838,7 @@
           <a:p>
             <a:fld id="{8967F601-7E3C-4A6F-A8EE-2F263D5DA2F5}" type="datetimeFigureOut">
               <a:rPr lang="en-US" smtClean="0"/>
-              <a:t>2/10/2017</a:t>
+              <a:t>2/11/2017</a:t>
             </a:fld>
             <a:endParaRPr lang="en-US"/>
           </a:p>
@@ -11599,7 +11601,7 @@
           <a:p>
             <a:fld id="{8967F601-7E3C-4A6F-A8EE-2F263D5DA2F5}" type="datetimeFigureOut">
               <a:rPr lang="en-US" smtClean="0"/>
-              <a:t>2/10/2017</a:t>
+              <a:t>2/11/2017</a:t>
             </a:fld>
             <a:endParaRPr lang="en-US"/>
           </a:p>
@@ -12439,7 +12441,7 @@
           <a:p>
             <a:fld id="{8967F601-7E3C-4A6F-A8EE-2F263D5DA2F5}" type="datetimeFigureOut">
               <a:rPr lang="en-US" smtClean="0"/>
-              <a:t>2/10/2017</a:t>
+              <a:t>2/11/2017</a:t>
             </a:fld>
             <a:endParaRPr lang="en-US"/>
           </a:p>
@@ -12666,7 +12668,7 @@
           <a:p>
             <a:fld id="{8967F601-7E3C-4A6F-A8EE-2F263D5DA2F5}" type="datetimeFigureOut">
               <a:rPr lang="en-US" smtClean="0"/>
-              <a:t>2/10/2017</a:t>
+              <a:t>2/11/2017</a:t>
             </a:fld>
             <a:endParaRPr lang="en-US"/>
           </a:p>
@@ -13926,6 +13928,511 @@
 </file>
 
 <file path=ppt/slides/slide10.xml><?xml version="1.0" encoding="utf-8"?>
+<p:sld xmlns:a="http://schemas.openxmlformats.org/drawingml/2006/main" xmlns:r="http://schemas.openxmlformats.org/officeDocument/2006/relationships" xmlns:p="http://schemas.openxmlformats.org/presentationml/2006/main">
+  <p:cSld>
+    <p:spTree>
+      <p:nvGrpSpPr>
+        <p:cNvPr id="1" name=""/>
+        <p:cNvGrpSpPr/>
+        <p:nvPr/>
+      </p:nvGrpSpPr>
+      <p:grpSpPr>
+        <a:xfrm>
+          <a:off x="0" y="0"/>
+          <a:ext cx="0" cy="0"/>
+          <a:chOff x="0" y="0"/>
+          <a:chExt cx="0" cy="0"/>
+        </a:xfrm>
+      </p:grpSpPr>
+      <p:sp>
+        <p:nvSpPr>
+          <p:cNvPr id="2" name="Title 1"/>
+          <p:cNvSpPr>
+            <a:spLocks noGrp="1"/>
+          </p:cNvSpPr>
+          <p:nvPr>
+            <p:ph type="title"/>
+          </p:nvPr>
+        </p:nvSpPr>
+        <p:spPr>
+          <a:xfrm>
+            <a:off x="1251678" y="382385"/>
+            <a:ext cx="10178322" cy="690635"/>
+          </a:xfrm>
+        </p:spPr>
+        <p:txBody>
+          <a:bodyPr>
+            <a:normAutofit fontScale="90000"/>
+          </a:bodyPr>
+          <a:lstStyle/>
+          <a:p>
+            <a:r>
+              <a:rPr lang="en-US" dirty="0"/>
+              <a:t>Comparison of Orchestrations</a:t>
+            </a:r>
+          </a:p>
+        </p:txBody>
+      </p:sp>
+      <p:graphicFrame>
+        <p:nvGraphicFramePr>
+          <p:cNvPr id="3" name="Table 2"/>
+          <p:cNvGraphicFramePr>
+            <a:graphicFrameLocks noGrp="1"/>
+          </p:cNvGraphicFramePr>
+          <p:nvPr>
+            <p:extLst>
+              <p:ext uri="{D42A27DB-BD31-4B8C-83A1-F6EECF244321}">
+                <p14:modId xmlns:p14="http://schemas.microsoft.com/office/powerpoint/2010/main" val="276697551"/>
+              </p:ext>
+            </p:extLst>
+          </p:nvPr>
+        </p:nvGraphicFramePr>
+        <p:xfrm>
+          <a:off x="1723887" y="1371601"/>
+          <a:ext cx="8791712" cy="4507992"/>
+        </p:xfrm>
+        <a:graphic>
+          <a:graphicData uri="http://schemas.openxmlformats.org/drawingml/2006/table">
+            <a:tbl>
+              <a:tblPr firstRow="1" bandRow="1">
+                <a:tableStyleId>{5C22544A-7EE6-4342-B048-85BDC9FD1C3A}</a:tableStyleId>
+              </a:tblPr>
+              <a:tblGrid>
+                <a:gridCol w="1771263">
+                  <a:extLst>
+                    <a:ext uri="{9D8B030D-6E8A-4147-A177-3AD203B41FA5}">
+                      <a16:colId xmlns:a16="http://schemas.microsoft.com/office/drawing/2014/main" val="2105798537"/>
+                    </a:ext>
+                  </a:extLst>
+                </a:gridCol>
+                <a:gridCol w="2299529">
+                  <a:extLst>
+                    <a:ext uri="{9D8B030D-6E8A-4147-A177-3AD203B41FA5}">
+                      <a16:colId xmlns:a16="http://schemas.microsoft.com/office/drawing/2014/main" val="4117648029"/>
+                    </a:ext>
+                  </a:extLst>
+                </a:gridCol>
+                <a:gridCol w="2398221">
+                  <a:extLst>
+                    <a:ext uri="{9D8B030D-6E8A-4147-A177-3AD203B41FA5}">
+                      <a16:colId xmlns:a16="http://schemas.microsoft.com/office/drawing/2014/main" val="3640654674"/>
+                    </a:ext>
+                  </a:extLst>
+                </a:gridCol>
+                <a:gridCol w="2322699">
+                  <a:extLst>
+                    <a:ext uri="{9D8B030D-6E8A-4147-A177-3AD203B41FA5}">
+                      <a16:colId xmlns:a16="http://schemas.microsoft.com/office/drawing/2014/main" val="3535622060"/>
+                    </a:ext>
+                  </a:extLst>
+                </a:gridCol>
+              </a:tblGrid>
+              <a:tr h="937714">
+                <a:tc>
+                  <a:txBody>
+                    <a:bodyPr/>
+                    <a:lstStyle/>
+                    <a:p>
+                      <a:pPr algn="l"/>
+                      <a:endParaRPr lang="en-US" dirty="0"/>
+                    </a:p>
+                  </a:txBody>
+                  <a:tcPr anchor="ctr"/>
+                </a:tc>
+                <a:tc>
+                  <a:txBody>
+                    <a:bodyPr/>
+                    <a:lstStyle/>
+                    <a:p>
+                      <a:pPr algn="l"/>
+                      <a:r>
+                        <a:rPr lang="en-US" dirty="0"/>
+                        <a:t>KUBERNETES</a:t>
+                      </a:r>
+                    </a:p>
+                  </a:txBody>
+                  <a:tcPr anchor="ctr"/>
+                </a:tc>
+                <a:tc>
+                  <a:txBody>
+                    <a:bodyPr/>
+                    <a:lstStyle/>
+                    <a:p>
+                      <a:pPr algn="l"/>
+                      <a:r>
+                        <a:rPr lang="en-US" dirty="0"/>
+                        <a:t>DOCKER SWARM</a:t>
+                      </a:r>
+                    </a:p>
+                  </a:txBody>
+                  <a:tcPr anchor="ctr"/>
+                </a:tc>
+                <a:tc>
+                  <a:txBody>
+                    <a:bodyPr/>
+                    <a:lstStyle/>
+                    <a:p>
+                      <a:pPr algn="l"/>
+                      <a:r>
+                        <a:rPr lang="en-US" dirty="0"/>
+                        <a:t>CLOUD FOUNDRY</a:t>
+                      </a:r>
+                    </a:p>
+                  </a:txBody>
+                  <a:tcPr anchor="ctr"/>
+                </a:tc>
+                <a:extLst>
+                  <a:ext uri="{0D108BD9-81ED-4DB2-BD59-A6C34878D82A}">
+                    <a16:rowId xmlns:a16="http://schemas.microsoft.com/office/drawing/2014/main" val="3326220485"/>
+                  </a:ext>
+                </a:extLst>
+              </a:tr>
+              <a:tr h="977846">
+                <a:tc>
+                  <a:txBody>
+                    <a:bodyPr/>
+                    <a:lstStyle/>
+                    <a:p>
+                      <a:pPr algn="l"/>
+                      <a:r>
+                        <a:rPr lang="en-US" sz="1400" dirty="0"/>
+                        <a:t>PUBLIC CLOUD SERVICE PROVIDERS</a:t>
+                      </a:r>
+                    </a:p>
+                  </a:txBody>
+                  <a:tcPr anchor="ctr"/>
+                </a:tc>
+                <a:tc>
+                  <a:txBody>
+                    <a:bodyPr/>
+                    <a:lstStyle/>
+                    <a:p>
+                      <a:pPr algn="l"/>
+                      <a:r>
+                        <a:rPr lang="en-US" sz="1400" dirty="0"/>
+                        <a:t>Google Container Engine, Red Hat </a:t>
+                      </a:r>
+                      <a:r>
+                        <a:rPr lang="en-US" sz="1400" dirty="0" err="1"/>
+                        <a:t>OpenShift</a:t>
+                      </a:r>
+                      <a:endParaRPr lang="en-US" sz="1400" dirty="0"/>
+                    </a:p>
+                  </a:txBody>
+                  <a:tcPr anchor="ctr"/>
+                </a:tc>
+                <a:tc>
+                  <a:txBody>
+                    <a:bodyPr/>
+                    <a:lstStyle/>
+                    <a:p>
+                      <a:pPr algn="l"/>
+                      <a:r>
+                        <a:rPr lang="en-US" sz="1400" dirty="0"/>
+                        <a:t>Azure</a:t>
+                      </a:r>
+                    </a:p>
+                  </a:txBody>
+                  <a:tcPr anchor="ctr"/>
+                </a:tc>
+                <a:tc>
+                  <a:txBody>
+                    <a:bodyPr/>
+                    <a:lstStyle/>
+                    <a:p>
+                      <a:pPr algn="l"/>
+                      <a:r>
+                        <a:rPr lang="en-US" sz="1400" dirty="0"/>
+                        <a:t>IBM, </a:t>
+                      </a:r>
+                      <a:r>
+                        <a:rPr lang="en-US" sz="1400" dirty="0" err="1"/>
+                        <a:t>Predix</a:t>
+                      </a:r>
+                      <a:endParaRPr lang="en-US" sz="1400" dirty="0"/>
+                    </a:p>
+                  </a:txBody>
+                  <a:tcPr anchor="ctr"/>
+                </a:tc>
+                <a:extLst>
+                  <a:ext uri="{0D108BD9-81ED-4DB2-BD59-A6C34878D82A}">
+                    <a16:rowId xmlns:a16="http://schemas.microsoft.com/office/drawing/2014/main" val="3217781537"/>
+                  </a:ext>
+                </a:extLst>
+              </a:tr>
+              <a:tr h="2592432">
+                <a:tc>
+                  <a:txBody>
+                    <a:bodyPr/>
+                    <a:lstStyle/>
+                    <a:p>
+                      <a:pPr algn="l"/>
+                      <a:r>
+                        <a:rPr lang="en-US" sz="1400" kern="1200" dirty="0">
+                          <a:solidFill>
+                            <a:schemeClr val="dk1"/>
+                          </a:solidFill>
+                          <a:latin typeface="+mn-lt"/>
+                          <a:ea typeface="+mn-ea"/>
+                          <a:cs typeface="+mn-cs"/>
+                        </a:rPr>
+                        <a:t>STRENGTHS </a:t>
+                      </a:r>
+                    </a:p>
+                  </a:txBody>
+                  <a:tcPr anchor="ctr"/>
+                </a:tc>
+                <a:tc>
+                  <a:txBody>
+                    <a:bodyPr/>
+                    <a:lstStyle/>
+                    <a:p>
+                      <a:pPr marL="285750" indent="-285750" algn="l">
+                        <a:buFont typeface="Arial" panose="020B0604020202020204" pitchFamily="34" charset="0"/>
+                        <a:buChar char="•"/>
+                      </a:pPr>
+                      <a:r>
+                        <a:rPr lang="en-US" sz="1400" kern="1200" dirty="0">
+                          <a:solidFill>
+                            <a:schemeClr val="dk1"/>
+                          </a:solidFill>
+                          <a:latin typeface="+mn-lt"/>
+                          <a:ea typeface="+mn-ea"/>
+                          <a:cs typeface="+mn-cs"/>
+                        </a:rPr>
+                        <a:t>10 years of Google research and development</a:t>
+                      </a:r>
+                    </a:p>
+                    <a:p>
+                      <a:pPr marL="0" indent="0" algn="l">
+                        <a:buFont typeface="Arial" panose="020B0604020202020204" pitchFamily="34" charset="0"/>
+                        <a:buNone/>
+                      </a:pPr>
+                      <a:endParaRPr lang="en-US" sz="1400" kern="1200" dirty="0">
+                        <a:solidFill>
+                          <a:schemeClr val="dk1"/>
+                        </a:solidFill>
+                        <a:latin typeface="+mn-lt"/>
+                        <a:ea typeface="+mn-ea"/>
+                        <a:cs typeface="+mn-cs"/>
+                      </a:endParaRPr>
+                    </a:p>
+                    <a:p>
+                      <a:pPr marL="285750" indent="-285750" algn="l">
+                        <a:buFont typeface="Arial" panose="020B0604020202020204" pitchFamily="34" charset="0"/>
+                        <a:buChar char="•"/>
+                      </a:pPr>
+                      <a:r>
+                        <a:rPr lang="en-US" sz="1400" kern="1200" dirty="0">
+                          <a:solidFill>
+                            <a:schemeClr val="dk1"/>
+                          </a:solidFill>
+                          <a:latin typeface="+mn-lt"/>
+                          <a:ea typeface="+mn-ea"/>
+                          <a:cs typeface="+mn-cs"/>
+                        </a:rPr>
+                        <a:t>High availability of persistent storage</a:t>
+                      </a:r>
+                    </a:p>
+                  </a:txBody>
+                  <a:tcPr anchor="ctr"/>
+                </a:tc>
+                <a:tc>
+                  <a:txBody>
+                    <a:bodyPr/>
+                    <a:lstStyle/>
+                    <a:p>
+                      <a:pPr marL="285750" indent="-285750" algn="l">
+                        <a:buFont typeface="Arial" panose="020B0604020202020204" pitchFamily="34" charset="0"/>
+                        <a:buChar char="•"/>
+                      </a:pPr>
+                      <a:r>
+                        <a:rPr lang="en-US" sz="1400" dirty="0"/>
+                        <a:t>Docker owns the current standard for containers</a:t>
+                      </a:r>
+                    </a:p>
+                    <a:p>
+                      <a:pPr marL="0" indent="0" algn="l">
+                        <a:buFont typeface="Arial" panose="020B0604020202020204" pitchFamily="34" charset="0"/>
+                        <a:buNone/>
+                      </a:pPr>
+                      <a:endParaRPr lang="en-US" sz="1400" dirty="0"/>
+                    </a:p>
+                    <a:p>
+                      <a:pPr marL="285750" indent="-285750" algn="l">
+                        <a:buFont typeface="Arial" panose="020B0604020202020204" pitchFamily="34" charset="0"/>
+                        <a:buChar char="•"/>
+                      </a:pPr>
+                      <a:r>
+                        <a:rPr lang="en-US" sz="1400" dirty="0"/>
+                        <a:t>Docker </a:t>
+                      </a:r>
+                      <a:r>
+                        <a:rPr lang="en-US" sz="1400" dirty="0" err="1"/>
+                        <a:t>Inc</a:t>
+                      </a:r>
+                      <a:r>
+                        <a:rPr lang="en-US" sz="1400" dirty="0"/>
+                        <a:t> is </a:t>
+                      </a:r>
+                      <a:r>
+                        <a:rPr lang="en-US" sz="1400" dirty="0" err="1"/>
+                        <a:t>immensly</a:t>
+                      </a:r>
+                      <a:r>
+                        <a:rPr lang="en-US" sz="1400" dirty="0"/>
+                        <a:t> popular. </a:t>
+                      </a:r>
+                      <a:r>
+                        <a:rPr lang="en-US" sz="1400" dirty="0" err="1"/>
+                        <a:t>Dockercon</a:t>
+                      </a:r>
+                      <a:r>
+                        <a:rPr lang="en-US" sz="1400" dirty="0"/>
+                        <a:t> has over 5K attendees</a:t>
+                      </a:r>
+                    </a:p>
+                  </a:txBody>
+                  <a:tcPr anchor="ctr"/>
+                </a:tc>
+                <a:tc>
+                  <a:txBody>
+                    <a:bodyPr/>
+                    <a:lstStyle/>
+                    <a:p>
+                      <a:pPr marL="285750" indent="-285750" algn="l">
+                        <a:buFont typeface="Arial" panose="020B0604020202020204" pitchFamily="34" charset="0"/>
+                        <a:buChar char="•"/>
+                      </a:pPr>
+                      <a:r>
+                        <a:rPr lang="en-US" sz="1400" dirty="0"/>
+                        <a:t>Cloud Foundry has been around for a number of years(5+)</a:t>
+                      </a:r>
+                    </a:p>
+                    <a:p>
+                      <a:pPr marL="0" indent="0" algn="l">
+                        <a:buFont typeface="Arial" panose="020B0604020202020204" pitchFamily="34" charset="0"/>
+                        <a:buNone/>
+                      </a:pPr>
+                      <a:endParaRPr lang="en-US" sz="1400" dirty="0"/>
+                    </a:p>
+                    <a:p>
+                      <a:pPr marL="285750" indent="-285750" algn="l">
+                        <a:buFont typeface="Arial" panose="020B0604020202020204" pitchFamily="34" charset="0"/>
+                        <a:buChar char="•"/>
+                      </a:pPr>
+                      <a:r>
+                        <a:rPr lang="en-US" sz="1400" dirty="0"/>
+                        <a:t>Decent documentation that has gone through many renditions</a:t>
+                      </a:r>
+                    </a:p>
+                  </a:txBody>
+                  <a:tcPr anchor="ctr"/>
+                </a:tc>
+                <a:extLst>
+                  <a:ext uri="{0D108BD9-81ED-4DB2-BD59-A6C34878D82A}">
+                    <a16:rowId xmlns:a16="http://schemas.microsoft.com/office/drawing/2014/main" val="1788133646"/>
+                  </a:ext>
+                </a:extLst>
+              </a:tr>
+            </a:tbl>
+          </a:graphicData>
+        </a:graphic>
+      </p:graphicFrame>
+    </p:spTree>
+    <p:extLst>
+      <p:ext uri="{BB962C8B-B14F-4D97-AF65-F5344CB8AC3E}">
+        <p14:creationId xmlns:p14="http://schemas.microsoft.com/office/powerpoint/2010/main" val="2028186525"/>
+      </p:ext>
+    </p:extLst>
+  </p:cSld>
+  <p:clrMapOvr>
+    <a:masterClrMapping/>
+  </p:clrMapOvr>
+</p:sld>
+</file>
+
+<file path=ppt/slides/slide11.xml><?xml version="1.0" encoding="utf-8"?>
+<p:sld xmlns:a="http://schemas.openxmlformats.org/drawingml/2006/main" xmlns:r="http://schemas.openxmlformats.org/officeDocument/2006/relationships" xmlns:p="http://schemas.openxmlformats.org/presentationml/2006/main">
+  <p:cSld>
+    <p:spTree>
+      <p:nvGrpSpPr>
+        <p:cNvPr id="1" name=""/>
+        <p:cNvGrpSpPr/>
+        <p:nvPr/>
+      </p:nvGrpSpPr>
+      <p:grpSpPr>
+        <a:xfrm>
+          <a:off x="0" y="0"/>
+          <a:ext cx="0" cy="0"/>
+          <a:chOff x="0" y="0"/>
+          <a:chExt cx="0" cy="0"/>
+        </a:xfrm>
+      </p:grpSpPr>
+      <p:sp>
+        <p:nvSpPr>
+          <p:cNvPr id="3" name="Subtitle 2"/>
+          <p:cNvSpPr>
+            <a:spLocks noGrp="1"/>
+          </p:cNvSpPr>
+          <p:nvPr>
+            <p:ph type="subTitle" idx="1"/>
+          </p:nvPr>
+        </p:nvSpPr>
+        <p:spPr/>
+        <p:txBody>
+          <a:bodyPr>
+            <a:noAutofit/>
+          </a:bodyPr>
+          <a:lstStyle/>
+          <a:p>
+            <a:r>
+              <a:rPr lang="en-US" sz="4400" dirty="0"/>
+              <a:t>Questions</a:t>
+            </a:r>
+          </a:p>
+        </p:txBody>
+      </p:sp>
+      <p:pic>
+        <p:nvPicPr>
+          <p:cNvPr id="4" name="Content Placeholder 3"/>
+          <p:cNvPicPr>
+            <a:picLocks noGrp="1" noChangeAspect="1"/>
+          </p:cNvPicPr>
+          <p:nvPr>
+            <p:ph idx="1"/>
+          </p:nvPr>
+        </p:nvPicPr>
+        <p:blipFill>
+          <a:blip r:embed="rId2"/>
+          <a:stretch>
+            <a:fillRect/>
+          </a:stretch>
+        </p:blipFill>
+        <p:spPr>
+          <a:xfrm>
+            <a:off x="4241259" y="1858714"/>
+            <a:ext cx="3821589" cy="2706358"/>
+          </a:xfrm>
+          <a:prstGeom prst="rect">
+            <a:avLst/>
+          </a:prstGeom>
+        </p:spPr>
+      </p:pic>
+    </p:spTree>
+    <p:extLst>
+      <p:ext uri="{BB962C8B-B14F-4D97-AF65-F5344CB8AC3E}">
+        <p14:creationId xmlns:p14="http://schemas.microsoft.com/office/powerpoint/2010/main" val="1110766365"/>
+      </p:ext>
+    </p:extLst>
+  </p:cSld>
+  <p:clrMapOvr>
+    <a:masterClrMapping/>
+  </p:clrMapOvr>
+</p:sld>
+</file>
+
+<file path=ppt/slides/slide12.xml><?xml version="1.0" encoding="utf-8"?>
 <p:sld xmlns:a="http://schemas.openxmlformats.org/drawingml/2006/main" xmlns:r="http://schemas.openxmlformats.org/officeDocument/2006/relationships" xmlns:p="http://schemas.openxmlformats.org/presentationml/2006/main">
   <p:cSld>
     <p:spTree>
@@ -14707,37 +15214,40 @@
       </p:grpSpPr>
       <p:sp>
         <p:nvSpPr>
-          <p:cNvPr id="3" name="Subtitle 2"/>
+          <p:cNvPr id="2" name="Title 1"/>
           <p:cNvSpPr>
             <a:spLocks noGrp="1"/>
           </p:cNvSpPr>
           <p:nvPr>
-            <p:ph type="subTitle" idx="1"/>
+            <p:ph type="title"/>
           </p:nvPr>
         </p:nvSpPr>
-        <p:spPr/>
+        <p:spPr>
+          <a:xfrm>
+            <a:off x="1251678" y="217285"/>
+            <a:ext cx="10178322" cy="690635"/>
+          </a:xfrm>
+        </p:spPr>
         <p:txBody>
           <a:bodyPr>
-            <a:noAutofit/>
+            <a:normAutofit fontScale="90000"/>
           </a:bodyPr>
           <a:lstStyle/>
           <a:p>
             <a:r>
-              <a:rPr lang="en-US" sz="4400" dirty="0"/>
-              <a:t>Questions</a:t>
+              <a:rPr lang="en-US" dirty="0"/>
+              <a:t>Comparison of Orchestrations</a:t>
             </a:r>
           </a:p>
         </p:txBody>
       </p:sp>
       <p:pic>
         <p:nvPicPr>
-          <p:cNvPr id="4" name="Content Placeholder 3"/>
+          <p:cNvPr id="4" name="Picture 3"/>
           <p:cNvPicPr>
-            <a:picLocks noGrp="1" noChangeAspect="1"/>
+            <a:picLocks noChangeAspect="1"/>
           </p:cNvPicPr>
-          <p:nvPr>
-            <p:ph idx="1"/>
-          </p:nvPr>
+          <p:nvPr/>
         </p:nvPicPr>
         <p:blipFill>
           <a:blip r:embed="rId2"/>
@@ -14747,8 +15257,8 @@
         </p:blipFill>
         <p:spPr>
           <a:xfrm>
-            <a:off x="4241259" y="1858714"/>
-            <a:ext cx="3821589" cy="2706358"/>
+            <a:off x="1251678" y="1073020"/>
+            <a:ext cx="9748837" cy="5784980"/>
           </a:xfrm>
           <a:prstGeom prst="rect">
             <a:avLst/>
@@ -14758,7 +15268,7 @@
     </p:spTree>
     <p:extLst>
       <p:ext uri="{BB962C8B-B14F-4D97-AF65-F5344CB8AC3E}">
-        <p14:creationId xmlns:p14="http://schemas.microsoft.com/office/powerpoint/2010/main" val="1110766365"/>
+        <p14:creationId xmlns:p14="http://schemas.microsoft.com/office/powerpoint/2010/main" val="1747542090"/>
       </p:ext>
     </p:extLst>
   </p:cSld>
